--- a/reference.pptx
+++ b/reference.pptx
@@ -310,7 +310,7 @@
           <a:p>
             <a:fld id="{A6A547FD-5E4B-433F-A167-DE84EA27B589}" type="datetimeFigureOut">
               <a:rPr lang="en-IN" smtClean="0"/>
-              <a:t>16-12-2022</a:t>
+              <a:t>18-12-2022</a:t>
             </a:fld>
             <a:endParaRPr lang="en-IN"/>
           </a:p>
@@ -510,7 +510,7 @@
           <a:p>
             <a:fld id="{A6A547FD-5E4B-433F-A167-DE84EA27B589}" type="datetimeFigureOut">
               <a:rPr lang="en-IN" smtClean="0"/>
-              <a:t>16-12-2022</a:t>
+              <a:t>18-12-2022</a:t>
             </a:fld>
             <a:endParaRPr lang="en-IN"/>
           </a:p>
@@ -720,7 +720,7 @@
           <a:p>
             <a:fld id="{A6A547FD-5E4B-433F-A167-DE84EA27B589}" type="datetimeFigureOut">
               <a:rPr lang="en-IN" smtClean="0"/>
-              <a:t>16-12-2022</a:t>
+              <a:t>18-12-2022</a:t>
             </a:fld>
             <a:endParaRPr lang="en-IN"/>
           </a:p>
@@ -920,7 +920,7 @@
           <a:p>
             <a:fld id="{A6A547FD-5E4B-433F-A167-DE84EA27B589}" type="datetimeFigureOut">
               <a:rPr lang="en-IN" smtClean="0"/>
-              <a:t>16-12-2022</a:t>
+              <a:t>18-12-2022</a:t>
             </a:fld>
             <a:endParaRPr lang="en-IN"/>
           </a:p>
@@ -1196,7 +1196,7 @@
           <a:p>
             <a:fld id="{A6A547FD-5E4B-433F-A167-DE84EA27B589}" type="datetimeFigureOut">
               <a:rPr lang="en-IN" smtClean="0"/>
-              <a:t>16-12-2022</a:t>
+              <a:t>18-12-2022</a:t>
             </a:fld>
             <a:endParaRPr lang="en-IN"/>
           </a:p>
@@ -1464,7 +1464,7 @@
           <a:p>
             <a:fld id="{A6A547FD-5E4B-433F-A167-DE84EA27B589}" type="datetimeFigureOut">
               <a:rPr lang="en-IN" smtClean="0"/>
-              <a:t>16-12-2022</a:t>
+              <a:t>18-12-2022</a:t>
             </a:fld>
             <a:endParaRPr lang="en-IN"/>
           </a:p>
@@ -1879,7 +1879,7 @@
           <a:p>
             <a:fld id="{A6A547FD-5E4B-433F-A167-DE84EA27B589}" type="datetimeFigureOut">
               <a:rPr lang="en-IN" smtClean="0"/>
-              <a:t>16-12-2022</a:t>
+              <a:t>18-12-2022</a:t>
             </a:fld>
             <a:endParaRPr lang="en-IN"/>
           </a:p>
@@ -2021,7 +2021,7 @@
           <a:p>
             <a:fld id="{A6A547FD-5E4B-433F-A167-DE84EA27B589}" type="datetimeFigureOut">
               <a:rPr lang="en-IN" smtClean="0"/>
-              <a:t>16-12-2022</a:t>
+              <a:t>18-12-2022</a:t>
             </a:fld>
             <a:endParaRPr lang="en-IN"/>
           </a:p>
@@ -2134,7 +2134,7 @@
           <a:p>
             <a:fld id="{A6A547FD-5E4B-433F-A167-DE84EA27B589}" type="datetimeFigureOut">
               <a:rPr lang="en-IN" smtClean="0"/>
-              <a:t>16-12-2022</a:t>
+              <a:t>18-12-2022</a:t>
             </a:fld>
             <a:endParaRPr lang="en-IN"/>
           </a:p>
@@ -2447,7 +2447,7 @@
           <a:p>
             <a:fld id="{A6A547FD-5E4B-433F-A167-DE84EA27B589}" type="datetimeFigureOut">
               <a:rPr lang="en-IN" smtClean="0"/>
-              <a:t>16-12-2022</a:t>
+              <a:t>18-12-2022</a:t>
             </a:fld>
             <a:endParaRPr lang="en-IN"/>
           </a:p>
@@ -2736,7 +2736,7 @@
           <a:p>
             <a:fld id="{A6A547FD-5E4B-433F-A167-DE84EA27B589}" type="datetimeFigureOut">
               <a:rPr lang="en-IN" smtClean="0"/>
-              <a:t>16-12-2022</a:t>
+              <a:t>18-12-2022</a:t>
             </a:fld>
             <a:endParaRPr lang="en-IN"/>
           </a:p>
@@ -2979,7 +2979,7 @@
           <a:p>
             <a:fld id="{A6A547FD-5E4B-433F-A167-DE84EA27B589}" type="datetimeFigureOut">
               <a:rPr lang="en-IN" smtClean="0"/>
-              <a:t>16-12-2022</a:t>
+              <a:t>18-12-2022</a:t>
             </a:fld>
             <a:endParaRPr lang="en-IN"/>
           </a:p>
@@ -3382,6 +3382,40 @@
 <file path=ppt/slides/slide1.xml><?xml version="1.0" encoding="utf-8"?>
 <p:sld xmlns:a="http://schemas.openxmlformats.org/drawingml/2006/main" xmlns:r="http://schemas.openxmlformats.org/officeDocument/2006/relationships" xmlns:p="http://schemas.openxmlformats.org/presentationml/2006/main">
   <p:cSld>
+    <p:bg>
+      <p:bgPr>
+        <a:gradFill>
+          <a:gsLst>
+            <a:gs pos="0">
+              <a:schemeClr val="accent1">
+                <a:lumMod val="5000"/>
+                <a:lumOff val="95000"/>
+              </a:schemeClr>
+            </a:gs>
+            <a:gs pos="74000">
+              <a:schemeClr val="accent1">
+                <a:lumMod val="45000"/>
+                <a:lumOff val="55000"/>
+              </a:schemeClr>
+            </a:gs>
+            <a:gs pos="55000">
+              <a:schemeClr val="accent1">
+                <a:lumMod val="45000"/>
+                <a:lumOff val="55000"/>
+              </a:schemeClr>
+            </a:gs>
+            <a:gs pos="100000">
+              <a:schemeClr val="accent1">
+                <a:lumMod val="30000"/>
+                <a:lumOff val="70000"/>
+              </a:schemeClr>
+            </a:gs>
+          </a:gsLst>
+          <a:lin ang="5400000" scaled="1"/>
+        </a:gradFill>
+        <a:effectLst/>
+      </p:bgPr>
+    </p:bg>
     <p:spTree>
       <p:nvGrpSpPr>
         <p:cNvPr id="1" name=""/>
@@ -3519,7 +3553,7 @@
         <p:spPr>
           <a:xfrm>
             <a:off x="531845" y="1147666"/>
-            <a:ext cx="10478277" cy="4524315"/>
+            <a:ext cx="10478277" cy="5355312"/>
           </a:xfrm>
           <a:prstGeom prst="rect">
             <a:avLst/>
@@ -3565,6 +3599,16 @@
             </a:r>
           </a:p>
           <a:p>
+            <a:pPr marL="285750" indent="-285750">
+              <a:buFont typeface="Arial" panose="020B0604020202020204" pitchFamily="34" charset="0"/>
+              <a:buChar char="•"/>
+            </a:pPr>
+            <a:r>
+              <a:rPr lang="en-IN" dirty="0"/>
+              <a:t>Abstraction that let us create applications locally and transparently run on cloud</a:t>
+            </a:r>
+          </a:p>
+          <a:p>
             <a:endParaRPr lang="en-IN" dirty="0"/>
           </a:p>
           <a:p>
@@ -3697,7 +3741,60 @@
             <a:endParaRPr lang="en-IN" dirty="0"/>
           </a:p>
           <a:p>
-            <a:endParaRPr lang="en-IN" dirty="0"/>
+            <a:pPr marL="285750" indent="-285750">
+              <a:buFont typeface="Arial" panose="020B0604020202020204" pitchFamily="34" charset="0"/>
+              <a:buChar char="•"/>
+            </a:pPr>
+            <a:r>
+              <a:rPr lang="en-IN" b="1" dirty="0"/>
+              <a:t>Most important</a:t>
+            </a:r>
+            <a:r>
+              <a:rPr lang="en-IN" dirty="0"/>
+              <a:t>!  You can access </a:t>
+            </a:r>
+            <a:r>
+              <a:rPr lang="en-IN" dirty="0">
+                <a:solidFill>
+                  <a:srgbClr val="0070C0"/>
+                </a:solidFill>
+              </a:rPr>
+              <a:t>virtual machines</a:t>
+            </a:r>
+            <a:r>
+              <a:rPr lang="en-IN" dirty="0"/>
+              <a:t> through the browser and develop any application you want in almost any language!</a:t>
+            </a:r>
+          </a:p>
+          <a:p>
+            <a:r>
+              <a:rPr lang="en-IN" dirty="0"/>
+              <a:t>     </a:t>
+            </a:r>
+            <a:r>
+              <a:rPr lang="en-IN" dirty="0">
+                <a:solidFill>
+                  <a:srgbClr val="C00000"/>
+                </a:solidFill>
+              </a:rPr>
+              <a:t>(</a:t>
+            </a:r>
+            <a:r>
+              <a:rPr lang="en-IN" b="1" dirty="0">
+                <a:solidFill>
+                  <a:srgbClr val="C00000"/>
+                </a:solidFill>
+              </a:rPr>
+              <a:t>Limitation</a:t>
+            </a:r>
+            <a:r>
+              <a:rPr lang="en-IN" dirty="0">
+                <a:solidFill>
+                  <a:srgbClr val="C00000"/>
+                </a:solidFill>
+              </a:rPr>
+              <a:t>: Limited sudo capabilities)</a:t>
+            </a:r>
           </a:p>
         </p:txBody>
       </p:sp>
@@ -3787,7 +3884,7 @@
         <p:spPr>
           <a:xfrm>
             <a:off x="1231639" y="1129004"/>
-            <a:ext cx="8350899" cy="4524315"/>
+            <a:ext cx="8350899" cy="4801314"/>
           </a:xfrm>
           <a:prstGeom prst="rect">
             <a:avLst/>
@@ -3925,11 +4022,17 @@
             </a:r>
           </a:p>
           <a:p>
+            <a:endParaRPr lang="en-IN" dirty="0"/>
+          </a:p>
+          <a:p>
             <a:pPr marL="285750" indent="-285750">
               <a:buFont typeface="Arial" panose="020B0604020202020204" pitchFamily="34" charset="0"/>
               <a:buChar char="•"/>
             </a:pPr>
-            <a:endParaRPr lang="en-IN" dirty="0"/>
+            <a:r>
+              <a:rPr lang="en-IN" dirty="0"/>
+              <a:t>Fast Virtual Machine access</a:t>
+            </a:r>
           </a:p>
         </p:txBody>
       </p:sp>
@@ -3977,7 +4080,7 @@
         </p:nvSpPr>
         <p:spPr>
           <a:xfrm>
-            <a:off x="6922559" y="943565"/>
+            <a:off x="5131074" y="943565"/>
             <a:ext cx="1716113" cy="5832204"/>
           </a:xfrm>
           <a:prstGeom prst="roundRect">
@@ -4014,7 +4117,7 @@
           <a:lstStyle/>
           <a:p>
             <a:pPr algn="ctr"/>
-            <a:endParaRPr lang="en-IN"/>
+            <a:endParaRPr lang="en-IN" dirty="0"/>
           </a:p>
         </p:txBody>
       </p:sp>
@@ -4032,7 +4135,7 @@
         </p:nvSpPr>
         <p:spPr>
           <a:xfrm>
-            <a:off x="10341787" y="943565"/>
+            <a:off x="10278705" y="943565"/>
             <a:ext cx="1716113" cy="5832204"/>
           </a:xfrm>
           <a:prstGeom prst="roundRect">
@@ -4087,7 +4190,7 @@
         </p:nvSpPr>
         <p:spPr>
           <a:xfrm>
-            <a:off x="3293933" y="943565"/>
+            <a:off x="2530397" y="976161"/>
             <a:ext cx="1716113" cy="5832204"/>
           </a:xfrm>
           <a:prstGeom prst="roundRect">
@@ -4142,7 +4245,7 @@
         </p:nvSpPr>
         <p:spPr>
           <a:xfrm>
-            <a:off x="3508311" y="5682343"/>
+            <a:off x="2724815" y="5667659"/>
             <a:ext cx="1337388" cy="758890"/>
           </a:xfrm>
           <a:prstGeom prst="roundRect">
@@ -4197,7 +4300,7 @@
         </p:nvSpPr>
         <p:spPr>
           <a:xfrm>
-            <a:off x="7125478" y="5682343"/>
+            <a:off x="5335562" y="5674491"/>
             <a:ext cx="1337388" cy="758890"/>
           </a:xfrm>
           <a:prstGeom prst="roundRect">
@@ -4288,7 +4391,7 @@
             <a:pPr algn="ctr"/>
             <a:r>
               <a:rPr lang="en-IN" dirty="0"/>
-              <a:t>Node 4</a:t>
+              <a:t>Node 5</a:t>
             </a:r>
           </a:p>
         </p:txBody>
@@ -4307,7 +4410,7 @@
         </p:nvSpPr>
         <p:spPr>
           <a:xfrm>
-            <a:off x="3508310" y="3988317"/>
+            <a:off x="2719758" y="3917306"/>
             <a:ext cx="1337388" cy="758890"/>
           </a:xfrm>
           <a:prstGeom prst="roundRect">
@@ -4362,7 +4465,7 @@
         </p:nvSpPr>
         <p:spPr>
           <a:xfrm>
-            <a:off x="7071049" y="4003223"/>
+            <a:off x="5356714" y="3966222"/>
             <a:ext cx="1337388" cy="758890"/>
           </a:xfrm>
           <a:prstGeom prst="roundRect">
@@ -4399,6 +4502,171 @@
             <a:r>
               <a:rPr lang="en-IN" dirty="0"/>
               <a:t>Docker engine 3</a:t>
+            </a:r>
+          </a:p>
+        </p:txBody>
+      </p:sp>
+      <p:sp>
+        <p:nvSpPr>
+          <p:cNvPr id="18" name="Rectangle: Rounded Corners 17">
+            <a:extLst>
+              <a:ext uri="{FF2B5EF4-FFF2-40B4-BE49-F238E27FC236}">
+                <a16:creationId xmlns:a16="http://schemas.microsoft.com/office/drawing/2014/main" id="{E78FA73F-C820-3773-3045-60AA2224FDD2}"/>
+              </a:ext>
+            </a:extLst>
+          </p:cNvPr>
+          <p:cNvSpPr/>
+          <p:nvPr/>
+        </p:nvSpPr>
+        <p:spPr>
+          <a:xfrm>
+            <a:off x="7793436" y="960505"/>
+            <a:ext cx="1716113" cy="5832204"/>
+          </a:xfrm>
+          <a:prstGeom prst="roundRect">
+            <a:avLst/>
+          </a:prstGeom>
+          <a:solidFill>
+            <a:schemeClr val="tx2">
+              <a:lumMod val="20000"/>
+              <a:lumOff val="80000"/>
+            </a:schemeClr>
+          </a:solidFill>
+          <a:ln>
+            <a:prstDash val="dash"/>
+          </a:ln>
+        </p:spPr>
+        <p:style>
+          <a:lnRef idx="2">
+            <a:schemeClr val="accent1">
+              <a:shade val="50000"/>
+            </a:schemeClr>
+          </a:lnRef>
+          <a:fillRef idx="1">
+            <a:schemeClr val="accent1"/>
+          </a:fillRef>
+          <a:effectRef idx="0">
+            <a:schemeClr val="accent1"/>
+          </a:effectRef>
+          <a:fontRef idx="minor">
+            <a:schemeClr val="lt1"/>
+          </a:fontRef>
+        </p:style>
+        <p:txBody>
+          <a:bodyPr rtlCol="0" anchor="ctr"/>
+          <a:lstStyle/>
+          <a:p>
+            <a:pPr algn="ctr"/>
+            <a:endParaRPr lang="en-IN"/>
+          </a:p>
+        </p:txBody>
+      </p:sp>
+      <p:sp>
+        <p:nvSpPr>
+          <p:cNvPr id="24" name="Rectangle: Rounded Corners 23">
+            <a:extLst>
+              <a:ext uri="{FF2B5EF4-FFF2-40B4-BE49-F238E27FC236}">
+                <a16:creationId xmlns:a16="http://schemas.microsoft.com/office/drawing/2014/main" id="{7B5228ED-E1A6-FDFE-6336-04AB5F30407C}"/>
+              </a:ext>
+            </a:extLst>
+          </p:cNvPr>
+          <p:cNvSpPr/>
+          <p:nvPr/>
+        </p:nvSpPr>
+        <p:spPr>
+          <a:xfrm>
+            <a:off x="8006952" y="5720304"/>
+            <a:ext cx="1337388" cy="758890"/>
+          </a:xfrm>
+          <a:prstGeom prst="roundRect">
+            <a:avLst/>
+          </a:prstGeom>
+          <a:solidFill>
+            <a:srgbClr val="00B0F0"/>
+          </a:solidFill>
+          <a:ln>
+            <a:noFill/>
+          </a:ln>
+        </p:spPr>
+        <p:style>
+          <a:lnRef idx="2">
+            <a:schemeClr val="accent1">
+              <a:shade val="50000"/>
+            </a:schemeClr>
+          </a:lnRef>
+          <a:fillRef idx="1">
+            <a:schemeClr val="accent1"/>
+          </a:fillRef>
+          <a:effectRef idx="0">
+            <a:schemeClr val="accent1"/>
+          </a:effectRef>
+          <a:fontRef idx="minor">
+            <a:schemeClr val="lt1"/>
+          </a:fontRef>
+        </p:style>
+        <p:txBody>
+          <a:bodyPr rtlCol="0" anchor="ctr"/>
+          <a:lstStyle/>
+          <a:p>
+            <a:pPr algn="ctr"/>
+            <a:r>
+              <a:rPr lang="en-IN" dirty="0"/>
+              <a:t>Node 4</a:t>
+            </a:r>
+          </a:p>
+        </p:txBody>
+      </p:sp>
+      <p:sp>
+        <p:nvSpPr>
+          <p:cNvPr id="25" name="Rectangle: Rounded Corners 24">
+            <a:extLst>
+              <a:ext uri="{FF2B5EF4-FFF2-40B4-BE49-F238E27FC236}">
+                <a16:creationId xmlns:a16="http://schemas.microsoft.com/office/drawing/2014/main" id="{B1D77F37-C9A3-8E48-8E92-2A1FE876ADC0}"/>
+              </a:ext>
+            </a:extLst>
+          </p:cNvPr>
+          <p:cNvSpPr/>
+          <p:nvPr/>
+        </p:nvSpPr>
+        <p:spPr>
+          <a:xfrm>
+            <a:off x="7962900" y="3996466"/>
+            <a:ext cx="1337388" cy="758890"/>
+          </a:xfrm>
+          <a:prstGeom prst="roundRect">
+            <a:avLst/>
+          </a:prstGeom>
+          <a:solidFill>
+            <a:schemeClr val="accent6"/>
+          </a:solidFill>
+          <a:ln>
+            <a:noFill/>
+          </a:ln>
+        </p:spPr>
+        <p:style>
+          <a:lnRef idx="2">
+            <a:schemeClr val="accent1">
+              <a:shade val="50000"/>
+            </a:schemeClr>
+          </a:lnRef>
+          <a:fillRef idx="1">
+            <a:schemeClr val="accent1"/>
+          </a:fillRef>
+          <a:effectRef idx="0">
+            <a:schemeClr val="accent1"/>
+          </a:effectRef>
+          <a:fontRef idx="minor">
+            <a:schemeClr val="lt1"/>
+          </a:fontRef>
+        </p:style>
+        <p:txBody>
+          <a:bodyPr rtlCol="0" anchor="ctr"/>
+          <a:lstStyle/>
+          <a:p>
+            <a:pPr algn="ctr"/>
+            <a:r>
+              <a:rPr lang="en-IN" dirty="0"/>
+              <a:t>Docker engine 4</a:t>
             </a:r>
           </a:p>
         </p:txBody>
@@ -4453,7 +4721,7 @@
             <a:pPr algn="ctr"/>
             <a:r>
               <a:rPr lang="en-IN" dirty="0"/>
-              <a:t>Docker engine 4</a:t>
+              <a:t>Docker engine 5</a:t>
             </a:r>
           </a:p>
         </p:txBody>
@@ -4472,8 +4740,8 @@
         </p:nvSpPr>
         <p:spPr>
           <a:xfrm>
-            <a:off x="3434975" y="1157919"/>
-            <a:ext cx="5048352" cy="2233567"/>
+            <a:off x="2714405" y="1242155"/>
+            <a:ext cx="3998578" cy="1920247"/>
           </a:xfrm>
           <a:prstGeom prst="roundRect">
             <a:avLst/>
@@ -4535,10 +4803,6 @@
             <a:pPr algn="ctr"/>
             <a:endParaRPr lang="en-IN" dirty="0"/>
           </a:p>
-          <a:p>
-            <a:pPr algn="ctr"/>
-            <a:endParaRPr lang="en-IN" dirty="0"/>
-          </a:p>
         </p:txBody>
       </p:sp>
       <p:sp>
@@ -4555,8 +4819,8 @@
         </p:nvSpPr>
         <p:spPr>
           <a:xfrm>
-            <a:off x="3498487" y="1477174"/>
-            <a:ext cx="1511559" cy="855305"/>
+            <a:off x="2782736" y="1522645"/>
+            <a:ext cx="1157769" cy="738575"/>
           </a:xfrm>
           <a:prstGeom prst="roundRect">
             <a:avLst/>
@@ -4592,14 +4856,14 @@
           <a:p>
             <a:pPr algn="ctr"/>
             <a:r>
-              <a:rPr lang="en-IN" dirty="0"/>
+              <a:rPr lang="en-IN" sz="1600" dirty="0"/>
               <a:t>Nginx</a:t>
             </a:r>
           </a:p>
           <a:p>
             <a:pPr algn="ctr"/>
             <a:r>
-              <a:rPr lang="en-IN" dirty="0"/>
+              <a:rPr lang="en-IN" sz="1600" dirty="0"/>
               <a:t>Reverse Proxy</a:t>
             </a:r>
           </a:p>
@@ -4619,7 +4883,7 @@
         </p:nvSpPr>
         <p:spPr>
           <a:xfrm>
-            <a:off x="463420" y="171071"/>
+            <a:off x="0" y="42384"/>
             <a:ext cx="2959849" cy="369332"/>
           </a:xfrm>
           <a:prstGeom prst="rect">
@@ -4711,7 +4975,7 @@
         </p:nvSpPr>
         <p:spPr>
           <a:xfrm>
-            <a:off x="134004" y="943565"/>
+            <a:off x="169068" y="960505"/>
             <a:ext cx="1716113" cy="5832204"/>
           </a:xfrm>
           <a:prstGeom prst="roundRect">
@@ -4821,7 +5085,7 @@
         </p:nvSpPr>
         <p:spPr>
           <a:xfrm>
-            <a:off x="7125478" y="2490675"/>
+            <a:off x="5457579" y="2446799"/>
             <a:ext cx="1157769" cy="609996"/>
           </a:xfrm>
           <a:prstGeom prst="roundRect">
@@ -5047,7 +5311,7 @@
         </p:nvSpPr>
         <p:spPr>
           <a:xfrm>
-            <a:off x="3692731" y="2474567"/>
+            <a:off x="2809568" y="2421673"/>
             <a:ext cx="1157769" cy="609996"/>
           </a:xfrm>
           <a:prstGeom prst="roundRect">
@@ -5108,7 +5372,7 @@
         </p:nvCxnSpPr>
         <p:spPr>
           <a:xfrm>
-            <a:off x="4198776" y="102637"/>
+            <a:off x="3388452" y="215600"/>
             <a:ext cx="0" cy="727787"/>
           </a:xfrm>
           <a:prstGeom prst="straightConnector1">
@@ -5147,8 +5411,8 @@
         </p:nvSpPr>
         <p:spPr>
           <a:xfrm>
-            <a:off x="6883242" y="1477174"/>
-            <a:ext cx="1511559" cy="855305"/>
+            <a:off x="5505377" y="1522645"/>
+            <a:ext cx="1106057" cy="738573"/>
           </a:xfrm>
           <a:prstGeom prst="roundRect">
             <a:avLst/>
@@ -5184,14 +5448,14 @@
           <a:p>
             <a:pPr algn="ctr"/>
             <a:r>
-              <a:rPr lang="en-IN" dirty="0"/>
+              <a:rPr lang="en-IN" sz="1600" dirty="0"/>
               <a:t>Nginx</a:t>
             </a:r>
           </a:p>
           <a:p>
             <a:pPr algn="ctr"/>
             <a:r>
-              <a:rPr lang="en-IN" dirty="0"/>
+              <a:rPr lang="en-IN" sz="1600" dirty="0"/>
               <a:t>Reverse Proxy</a:t>
             </a:r>
           </a:p>
@@ -5211,7 +5475,7 @@
         </p:nvSpPr>
         <p:spPr>
           <a:xfrm>
-            <a:off x="4221529" y="215600"/>
+            <a:off x="3389288" y="85808"/>
             <a:ext cx="1367297" cy="400110"/>
           </a:xfrm>
           <a:prstGeom prst="rect">
@@ -5230,6 +5494,84 @@
               <a:t>Entry point</a:t>
             </a:r>
             <a:endParaRPr lang="en-IN" b="1" dirty="0"/>
+          </a:p>
+        </p:txBody>
+      </p:sp>
+      <p:cxnSp>
+        <p:nvCxnSpPr>
+          <p:cNvPr id="23" name="Straight Arrow Connector 22">
+            <a:extLst>
+              <a:ext uri="{FF2B5EF4-FFF2-40B4-BE49-F238E27FC236}">
+                <a16:creationId xmlns:a16="http://schemas.microsoft.com/office/drawing/2014/main" id="{BA236EE8-1B32-CB68-7A80-9B15F6AFE1D4}"/>
+              </a:ext>
+            </a:extLst>
+          </p:cNvPr>
+          <p:cNvCxnSpPr>
+            <a:cxnSpLocks/>
+          </p:cNvCxnSpPr>
+          <p:nvPr/>
+        </p:nvCxnSpPr>
+        <p:spPr>
+          <a:xfrm>
+            <a:off x="3989619" y="1904826"/>
+            <a:ext cx="1319499" cy="0"/>
+          </a:xfrm>
+          <a:prstGeom prst="straightConnector1">
+            <a:avLst/>
+          </a:prstGeom>
+          <a:ln w="57150">
+            <a:headEnd type="triangle"/>
+            <a:tailEnd type="triangle"/>
+          </a:ln>
+        </p:spPr>
+        <p:style>
+          <a:lnRef idx="1">
+            <a:schemeClr val="accent1"/>
+          </a:lnRef>
+          <a:fillRef idx="0">
+            <a:schemeClr val="accent1"/>
+          </a:fillRef>
+          <a:effectRef idx="0">
+            <a:schemeClr val="accent1"/>
+          </a:effectRef>
+          <a:fontRef idx="minor">
+            <a:schemeClr val="tx1"/>
+          </a:fontRef>
+        </p:style>
+      </p:cxnSp>
+      <p:sp>
+        <p:nvSpPr>
+          <p:cNvPr id="27" name="TextBox 26">
+            <a:extLst>
+              <a:ext uri="{FF2B5EF4-FFF2-40B4-BE49-F238E27FC236}">
+                <a16:creationId xmlns:a16="http://schemas.microsoft.com/office/drawing/2014/main" id="{3C70C71C-B73D-E8CB-32E7-F68118EEA7B1}"/>
+              </a:ext>
+            </a:extLst>
+          </p:cNvPr>
+          <p:cNvSpPr txBox="1"/>
+          <p:nvPr/>
+        </p:nvSpPr>
+        <p:spPr>
+          <a:xfrm>
+            <a:off x="4153627" y="1549664"/>
+            <a:ext cx="1511558" cy="307777"/>
+          </a:xfrm>
+          <a:prstGeom prst="rect">
+            <a:avLst/>
+          </a:prstGeom>
+          <a:noFill/>
+        </p:spPr>
+        <p:txBody>
+          <a:bodyPr wrap="square" rtlCol="0">
+            <a:spAutoFit/>
+          </a:bodyPr>
+          <a:lstStyle/>
+          <a:p>
+            <a:r>
+              <a:rPr lang="en-US" sz="1400" dirty="0"/>
+              <a:t>TLS enabled</a:t>
+            </a:r>
+            <a:endParaRPr lang="en-IN" sz="1400" dirty="0"/>
           </a:p>
         </p:txBody>
       </p:sp>
@@ -5278,7 +5620,7 @@
         <p:spPr>
           <a:xfrm>
             <a:off x="371668" y="223936"/>
-            <a:ext cx="11448663" cy="4708981"/>
+            <a:ext cx="11448663" cy="5632311"/>
           </a:xfrm>
           <a:prstGeom prst="rect">
             <a:avLst/>
@@ -5356,6 +5698,15 @@
               <a:rPr lang="en-IN" sz="2000" dirty="0"/>
               <a:t>So if n nodes are there in the cluster, active TCP connections will be n-1</a:t>
             </a:r>
+          </a:p>
+          <a:p>
+            <a:endParaRPr lang="en-IN" sz="2000" dirty="0"/>
+          </a:p>
+          <a:p>
+            <a:endParaRPr lang="en-IN" sz="2000" dirty="0"/>
+          </a:p>
+          <a:p>
+            <a:endParaRPr lang="en-IN" sz="2000" dirty="0"/>
           </a:p>
           <a:p>
             <a:r>

--- a/reference.pptx
+++ b/reference.pptx
@@ -3763,7 +3763,7 @@
             </a:r>
             <a:r>
               <a:rPr lang="en-IN" dirty="0"/>
-              <a:t> through the browser and develop any application you want in almost any language!</a:t>
+              <a:t> through RDP and develop any application you want in almost any language!</a:t>
             </a:r>
           </a:p>
           <a:p>
@@ -3884,7 +3884,7 @@
         <p:spPr>
           <a:xfrm>
             <a:off x="1231639" y="1129004"/>
-            <a:ext cx="8350899" cy="4801314"/>
+            <a:ext cx="8350899" cy="5078313"/>
           </a:xfrm>
           <a:prstGeom prst="rect">
             <a:avLst/>
@@ -4032,6 +4032,16 @@
             <a:r>
               <a:rPr lang="en-IN" dirty="0"/>
               <a:t>Fast Virtual Machine access</a:t>
+            </a:r>
+          </a:p>
+          <a:p>
+            <a:pPr marL="285750" indent="-285750">
+              <a:buFont typeface="Arial" panose="020B0604020202020204" pitchFamily="34" charset="0"/>
+              <a:buChar char="•"/>
+            </a:pPr>
+            <a:r>
+              <a:rPr lang="en-IN" dirty="0"/>
+              <a:t>Docker machines listen to only</a:t>
             </a:r>
           </a:p>
         </p:txBody>
@@ -4398,116 +4408,6 @@
       </p:sp>
       <p:sp>
         <p:nvSpPr>
-          <p:cNvPr id="12" name="Rectangle: Rounded Corners 11">
-            <a:extLst>
-              <a:ext uri="{FF2B5EF4-FFF2-40B4-BE49-F238E27FC236}">
-                <a16:creationId xmlns:a16="http://schemas.microsoft.com/office/drawing/2014/main" id="{B0F5DD46-CE91-11BC-8FDB-A86E6474CBD6}"/>
-              </a:ext>
-            </a:extLst>
-          </p:cNvPr>
-          <p:cNvSpPr/>
-          <p:nvPr/>
-        </p:nvSpPr>
-        <p:spPr>
-          <a:xfrm>
-            <a:off x="2719758" y="3917306"/>
-            <a:ext cx="1337388" cy="758890"/>
-          </a:xfrm>
-          <a:prstGeom prst="roundRect">
-            <a:avLst/>
-          </a:prstGeom>
-          <a:solidFill>
-            <a:schemeClr val="accent6"/>
-          </a:solidFill>
-          <a:ln>
-            <a:noFill/>
-          </a:ln>
-        </p:spPr>
-        <p:style>
-          <a:lnRef idx="2">
-            <a:schemeClr val="accent1">
-              <a:shade val="50000"/>
-            </a:schemeClr>
-          </a:lnRef>
-          <a:fillRef idx="1">
-            <a:schemeClr val="accent1"/>
-          </a:fillRef>
-          <a:effectRef idx="0">
-            <a:schemeClr val="accent1"/>
-          </a:effectRef>
-          <a:fontRef idx="minor">
-            <a:schemeClr val="lt1"/>
-          </a:fontRef>
-        </p:style>
-        <p:txBody>
-          <a:bodyPr rtlCol="0" anchor="ctr"/>
-          <a:lstStyle/>
-          <a:p>
-            <a:pPr algn="ctr"/>
-            <a:r>
-              <a:rPr lang="en-IN" dirty="0"/>
-              <a:t>Docker engine 2</a:t>
-            </a:r>
-          </a:p>
-        </p:txBody>
-      </p:sp>
-      <p:sp>
-        <p:nvSpPr>
-          <p:cNvPr id="13" name="Rectangle: Rounded Corners 12">
-            <a:extLst>
-              <a:ext uri="{FF2B5EF4-FFF2-40B4-BE49-F238E27FC236}">
-                <a16:creationId xmlns:a16="http://schemas.microsoft.com/office/drawing/2014/main" id="{596E9B4F-5CE1-DB28-6244-E271A61D642B}"/>
-              </a:ext>
-            </a:extLst>
-          </p:cNvPr>
-          <p:cNvSpPr/>
-          <p:nvPr/>
-        </p:nvSpPr>
-        <p:spPr>
-          <a:xfrm>
-            <a:off x="5356714" y="3966222"/>
-            <a:ext cx="1337388" cy="758890"/>
-          </a:xfrm>
-          <a:prstGeom prst="roundRect">
-            <a:avLst/>
-          </a:prstGeom>
-          <a:solidFill>
-            <a:schemeClr val="accent6"/>
-          </a:solidFill>
-          <a:ln>
-            <a:noFill/>
-          </a:ln>
-        </p:spPr>
-        <p:style>
-          <a:lnRef idx="2">
-            <a:schemeClr val="accent1">
-              <a:shade val="50000"/>
-            </a:schemeClr>
-          </a:lnRef>
-          <a:fillRef idx="1">
-            <a:schemeClr val="accent1"/>
-          </a:fillRef>
-          <a:effectRef idx="0">
-            <a:schemeClr val="accent1"/>
-          </a:effectRef>
-          <a:fontRef idx="minor">
-            <a:schemeClr val="lt1"/>
-          </a:fontRef>
-        </p:style>
-        <p:txBody>
-          <a:bodyPr rtlCol="0" anchor="ctr"/>
-          <a:lstStyle/>
-          <a:p>
-            <a:pPr algn="ctr"/>
-            <a:r>
-              <a:rPr lang="en-IN" dirty="0"/>
-              <a:t>Docker engine 3</a:t>
-            </a:r>
-          </a:p>
-        </p:txBody>
-      </p:sp>
-      <p:sp>
-        <p:nvSpPr>
           <p:cNvPr id="18" name="Rectangle: Rounded Corners 17">
             <a:extLst>
               <a:ext uri="{FF2B5EF4-FFF2-40B4-BE49-F238E27FC236}">
@@ -4612,116 +4512,6 @@
             <a:r>
               <a:rPr lang="en-IN" dirty="0"/>
               <a:t>Node 4</a:t>
-            </a:r>
-          </a:p>
-        </p:txBody>
-      </p:sp>
-      <p:sp>
-        <p:nvSpPr>
-          <p:cNvPr id="25" name="Rectangle: Rounded Corners 24">
-            <a:extLst>
-              <a:ext uri="{FF2B5EF4-FFF2-40B4-BE49-F238E27FC236}">
-                <a16:creationId xmlns:a16="http://schemas.microsoft.com/office/drawing/2014/main" id="{B1D77F37-C9A3-8E48-8E92-2A1FE876ADC0}"/>
-              </a:ext>
-            </a:extLst>
-          </p:cNvPr>
-          <p:cNvSpPr/>
-          <p:nvPr/>
-        </p:nvSpPr>
-        <p:spPr>
-          <a:xfrm>
-            <a:off x="7962900" y="3996466"/>
-            <a:ext cx="1337388" cy="758890"/>
-          </a:xfrm>
-          <a:prstGeom prst="roundRect">
-            <a:avLst/>
-          </a:prstGeom>
-          <a:solidFill>
-            <a:schemeClr val="accent6"/>
-          </a:solidFill>
-          <a:ln>
-            <a:noFill/>
-          </a:ln>
-        </p:spPr>
-        <p:style>
-          <a:lnRef idx="2">
-            <a:schemeClr val="accent1">
-              <a:shade val="50000"/>
-            </a:schemeClr>
-          </a:lnRef>
-          <a:fillRef idx="1">
-            <a:schemeClr val="accent1"/>
-          </a:fillRef>
-          <a:effectRef idx="0">
-            <a:schemeClr val="accent1"/>
-          </a:effectRef>
-          <a:fontRef idx="minor">
-            <a:schemeClr val="lt1"/>
-          </a:fontRef>
-        </p:style>
-        <p:txBody>
-          <a:bodyPr rtlCol="0" anchor="ctr"/>
-          <a:lstStyle/>
-          <a:p>
-            <a:pPr algn="ctr"/>
-            <a:r>
-              <a:rPr lang="en-IN" dirty="0"/>
-              <a:t>Docker engine 4</a:t>
-            </a:r>
-          </a:p>
-        </p:txBody>
-      </p:sp>
-      <p:sp>
-        <p:nvSpPr>
-          <p:cNvPr id="14" name="Rectangle: Rounded Corners 13">
-            <a:extLst>
-              <a:ext uri="{FF2B5EF4-FFF2-40B4-BE49-F238E27FC236}">
-                <a16:creationId xmlns:a16="http://schemas.microsoft.com/office/drawing/2014/main" id="{70EFA1F2-9D94-8E83-C969-4158B8B0C8C3}"/>
-              </a:ext>
-            </a:extLst>
-          </p:cNvPr>
-          <p:cNvSpPr/>
-          <p:nvPr/>
-        </p:nvSpPr>
-        <p:spPr>
-          <a:xfrm>
-            <a:off x="10493828" y="3997447"/>
-            <a:ext cx="1337388" cy="758890"/>
-          </a:xfrm>
-          <a:prstGeom prst="roundRect">
-            <a:avLst/>
-          </a:prstGeom>
-          <a:solidFill>
-            <a:schemeClr val="accent6"/>
-          </a:solidFill>
-          <a:ln>
-            <a:noFill/>
-          </a:ln>
-        </p:spPr>
-        <p:style>
-          <a:lnRef idx="2">
-            <a:schemeClr val="accent1">
-              <a:shade val="50000"/>
-            </a:schemeClr>
-          </a:lnRef>
-          <a:fillRef idx="1">
-            <a:schemeClr val="accent1"/>
-          </a:fillRef>
-          <a:effectRef idx="0">
-            <a:schemeClr val="accent1"/>
-          </a:effectRef>
-          <a:fontRef idx="minor">
-            <a:schemeClr val="lt1"/>
-          </a:fontRef>
-        </p:style>
-        <p:txBody>
-          <a:bodyPr rtlCol="0" anchor="ctr"/>
-          <a:lstStyle/>
-          <a:p>
-            <a:pPr algn="ctr"/>
-            <a:r>
-              <a:rPr lang="en-IN" dirty="0"/>
-              <a:t>Docker engine 5</a:t>
             </a:r>
           </a:p>
         </p:txBody>
@@ -5147,7 +4937,7 @@
         <p:spPr>
           <a:xfrm>
             <a:off x="260405" y="3460992"/>
-            <a:ext cx="11647713" cy="415615"/>
+            <a:ext cx="11647713" cy="290409"/>
           </a:xfrm>
           <a:prstGeom prst="roundRect">
             <a:avLst/>
@@ -5181,7 +4971,7 @@
           <a:p>
             <a:pPr algn="ctr"/>
             <a:r>
-              <a:rPr lang="en-IN" dirty="0"/>
+              <a:rPr lang="en-IN" sz="1600" dirty="0"/>
               <a:t>All Docker engines listening on TCP Sockets</a:t>
             </a:r>
           </a:p>
@@ -5201,8 +4991,8 @@
         </p:nvSpPr>
         <p:spPr>
           <a:xfrm>
-            <a:off x="219973" y="4849704"/>
-            <a:ext cx="11728578" cy="758890"/>
+            <a:off x="236737" y="4500993"/>
+            <a:ext cx="11647713" cy="365651"/>
           </a:xfrm>
           <a:prstGeom prst="roundRect">
             <a:avLst/>
@@ -5236,7 +5026,7 @@
           <a:p>
             <a:pPr algn="ctr"/>
             <a:r>
-              <a:rPr lang="en-IN" dirty="0"/>
+              <a:rPr lang="en-IN" sz="1600" dirty="0"/>
               <a:t>Mongo DB</a:t>
             </a:r>
           </a:p>
@@ -5256,8 +5046,8 @@
         </p:nvSpPr>
         <p:spPr>
           <a:xfrm>
-            <a:off x="321934" y="3979104"/>
-            <a:ext cx="1337388" cy="758890"/>
+            <a:off x="10749656" y="5020461"/>
+            <a:ext cx="900376" cy="511090"/>
           </a:xfrm>
           <a:prstGeom prst="roundRect">
             <a:avLst/>
@@ -5291,8 +5081,8 @@
           <a:p>
             <a:pPr algn="ctr"/>
             <a:r>
-              <a:rPr lang="en-IN" dirty="0"/>
-              <a:t>Docker engine 1</a:t>
+              <a:rPr lang="en-IN" sz="1400" dirty="0"/>
+              <a:t>KVM</a:t>
             </a:r>
           </a:p>
         </p:txBody>
@@ -5572,6 +5362,501 @@
               <a:t>TLS enabled</a:t>
             </a:r>
             <a:endParaRPr lang="en-IN" sz="1400" dirty="0"/>
+          </a:p>
+        </p:txBody>
+      </p:sp>
+      <p:sp>
+        <p:nvSpPr>
+          <p:cNvPr id="26" name="Rectangle: Rounded Corners 25">
+            <a:extLst>
+              <a:ext uri="{FF2B5EF4-FFF2-40B4-BE49-F238E27FC236}">
+                <a16:creationId xmlns:a16="http://schemas.microsoft.com/office/drawing/2014/main" id="{31CCD88D-CA03-731F-8A3F-7B2B84814CDC}"/>
+              </a:ext>
+            </a:extLst>
+          </p:cNvPr>
+          <p:cNvSpPr/>
+          <p:nvPr/>
+        </p:nvSpPr>
+        <p:spPr>
+          <a:xfrm>
+            <a:off x="550101" y="4999676"/>
+            <a:ext cx="900376" cy="511090"/>
+          </a:xfrm>
+          <a:prstGeom prst="roundRect">
+            <a:avLst/>
+          </a:prstGeom>
+          <a:solidFill>
+            <a:schemeClr val="accent6"/>
+          </a:solidFill>
+          <a:ln>
+            <a:noFill/>
+          </a:ln>
+        </p:spPr>
+        <p:style>
+          <a:lnRef idx="2">
+            <a:schemeClr val="accent1">
+              <a:shade val="50000"/>
+            </a:schemeClr>
+          </a:lnRef>
+          <a:fillRef idx="1">
+            <a:schemeClr val="accent1"/>
+          </a:fillRef>
+          <a:effectRef idx="0">
+            <a:schemeClr val="accent1"/>
+          </a:effectRef>
+          <a:fontRef idx="minor">
+            <a:schemeClr val="lt1"/>
+          </a:fontRef>
+        </p:style>
+        <p:txBody>
+          <a:bodyPr rtlCol="0" anchor="ctr"/>
+          <a:lstStyle/>
+          <a:p>
+            <a:pPr algn="ctr"/>
+            <a:r>
+              <a:rPr lang="en-IN" sz="1400" dirty="0"/>
+              <a:t>KVM API</a:t>
+            </a:r>
+          </a:p>
+        </p:txBody>
+      </p:sp>
+      <p:sp>
+        <p:nvSpPr>
+          <p:cNvPr id="28" name="Rectangle: Rounded Corners 27">
+            <a:extLst>
+              <a:ext uri="{FF2B5EF4-FFF2-40B4-BE49-F238E27FC236}">
+                <a16:creationId xmlns:a16="http://schemas.microsoft.com/office/drawing/2014/main" id="{CC14165E-14CF-5C47-983F-DCC0BB3DB05D}"/>
+              </a:ext>
+            </a:extLst>
+          </p:cNvPr>
+          <p:cNvSpPr/>
+          <p:nvPr/>
+        </p:nvSpPr>
+        <p:spPr>
+          <a:xfrm>
+            <a:off x="8225458" y="5042703"/>
+            <a:ext cx="900376" cy="511090"/>
+          </a:xfrm>
+          <a:prstGeom prst="roundRect">
+            <a:avLst/>
+          </a:prstGeom>
+          <a:solidFill>
+            <a:schemeClr val="accent6"/>
+          </a:solidFill>
+          <a:ln>
+            <a:noFill/>
+          </a:ln>
+        </p:spPr>
+        <p:style>
+          <a:lnRef idx="2">
+            <a:schemeClr val="accent1">
+              <a:shade val="50000"/>
+            </a:schemeClr>
+          </a:lnRef>
+          <a:fillRef idx="1">
+            <a:schemeClr val="accent1"/>
+          </a:fillRef>
+          <a:effectRef idx="0">
+            <a:schemeClr val="accent1"/>
+          </a:effectRef>
+          <a:fontRef idx="minor">
+            <a:schemeClr val="lt1"/>
+          </a:fontRef>
+        </p:style>
+        <p:txBody>
+          <a:bodyPr rtlCol="0" anchor="ctr"/>
+          <a:lstStyle/>
+          <a:p>
+            <a:pPr algn="ctr"/>
+            <a:r>
+              <a:rPr lang="en-IN" sz="1400" dirty="0"/>
+              <a:t>KVM API</a:t>
+            </a:r>
+          </a:p>
+        </p:txBody>
+      </p:sp>
+      <p:sp>
+        <p:nvSpPr>
+          <p:cNvPr id="29" name="Rectangle: Rounded Corners 28">
+            <a:extLst>
+              <a:ext uri="{FF2B5EF4-FFF2-40B4-BE49-F238E27FC236}">
+                <a16:creationId xmlns:a16="http://schemas.microsoft.com/office/drawing/2014/main" id="{8A7FEA0F-64A0-E5F4-93BD-2928978E8D58}"/>
+              </a:ext>
+            </a:extLst>
+          </p:cNvPr>
+          <p:cNvSpPr/>
+          <p:nvPr/>
+        </p:nvSpPr>
+        <p:spPr>
+          <a:xfrm>
+            <a:off x="5586275" y="4999676"/>
+            <a:ext cx="900376" cy="511090"/>
+          </a:xfrm>
+          <a:prstGeom prst="roundRect">
+            <a:avLst/>
+          </a:prstGeom>
+          <a:solidFill>
+            <a:schemeClr val="accent6"/>
+          </a:solidFill>
+          <a:ln>
+            <a:noFill/>
+          </a:ln>
+        </p:spPr>
+        <p:style>
+          <a:lnRef idx="2">
+            <a:schemeClr val="accent1">
+              <a:shade val="50000"/>
+            </a:schemeClr>
+          </a:lnRef>
+          <a:fillRef idx="1">
+            <a:schemeClr val="accent1"/>
+          </a:fillRef>
+          <a:effectRef idx="0">
+            <a:schemeClr val="accent1"/>
+          </a:effectRef>
+          <a:fontRef idx="minor">
+            <a:schemeClr val="lt1"/>
+          </a:fontRef>
+        </p:style>
+        <p:txBody>
+          <a:bodyPr rtlCol="0" anchor="ctr"/>
+          <a:lstStyle/>
+          <a:p>
+            <a:pPr algn="ctr"/>
+            <a:r>
+              <a:rPr lang="en-IN" sz="1400" dirty="0"/>
+              <a:t>KVM API</a:t>
+            </a:r>
+          </a:p>
+        </p:txBody>
+      </p:sp>
+      <p:sp>
+        <p:nvSpPr>
+          <p:cNvPr id="30" name="Rectangle: Rounded Corners 29">
+            <a:extLst>
+              <a:ext uri="{FF2B5EF4-FFF2-40B4-BE49-F238E27FC236}">
+                <a16:creationId xmlns:a16="http://schemas.microsoft.com/office/drawing/2014/main" id="{DC9648E2-D317-59E7-F9E9-060F577268FE}"/>
+              </a:ext>
+            </a:extLst>
+          </p:cNvPr>
+          <p:cNvSpPr/>
+          <p:nvPr/>
+        </p:nvSpPr>
+        <p:spPr>
+          <a:xfrm>
+            <a:off x="2986035" y="4999676"/>
+            <a:ext cx="900376" cy="511090"/>
+          </a:xfrm>
+          <a:prstGeom prst="roundRect">
+            <a:avLst/>
+          </a:prstGeom>
+          <a:solidFill>
+            <a:schemeClr val="accent6"/>
+          </a:solidFill>
+          <a:ln>
+            <a:noFill/>
+          </a:ln>
+        </p:spPr>
+        <p:style>
+          <a:lnRef idx="2">
+            <a:schemeClr val="accent1">
+              <a:shade val="50000"/>
+            </a:schemeClr>
+          </a:lnRef>
+          <a:fillRef idx="1">
+            <a:schemeClr val="accent1"/>
+          </a:fillRef>
+          <a:effectRef idx="0">
+            <a:schemeClr val="accent1"/>
+          </a:effectRef>
+          <a:fontRef idx="minor">
+            <a:schemeClr val="lt1"/>
+          </a:fontRef>
+        </p:style>
+        <p:txBody>
+          <a:bodyPr rtlCol="0" anchor="ctr"/>
+          <a:lstStyle/>
+          <a:p>
+            <a:pPr algn="ctr"/>
+            <a:r>
+              <a:rPr lang="en-IN" sz="1400" dirty="0"/>
+              <a:t>KVM API </a:t>
+            </a:r>
+          </a:p>
+        </p:txBody>
+      </p:sp>
+      <p:sp>
+        <p:nvSpPr>
+          <p:cNvPr id="31" name="Rectangle: Rounded Corners 30">
+            <a:extLst>
+              <a:ext uri="{FF2B5EF4-FFF2-40B4-BE49-F238E27FC236}">
+                <a16:creationId xmlns:a16="http://schemas.microsoft.com/office/drawing/2014/main" id="{25F4AC85-6563-E5FD-6C5D-6BD48292DAC0}"/>
+              </a:ext>
+            </a:extLst>
+          </p:cNvPr>
+          <p:cNvSpPr/>
+          <p:nvPr/>
+        </p:nvSpPr>
+        <p:spPr>
+          <a:xfrm>
+            <a:off x="576936" y="3855508"/>
+            <a:ext cx="900376" cy="511090"/>
+          </a:xfrm>
+          <a:prstGeom prst="roundRect">
+            <a:avLst/>
+          </a:prstGeom>
+          <a:solidFill>
+            <a:schemeClr val="accent6"/>
+          </a:solidFill>
+          <a:ln>
+            <a:noFill/>
+          </a:ln>
+        </p:spPr>
+        <p:style>
+          <a:lnRef idx="2">
+            <a:schemeClr val="accent1">
+              <a:shade val="50000"/>
+            </a:schemeClr>
+          </a:lnRef>
+          <a:fillRef idx="1">
+            <a:schemeClr val="accent1"/>
+          </a:fillRef>
+          <a:effectRef idx="0">
+            <a:schemeClr val="accent1"/>
+          </a:effectRef>
+          <a:fontRef idx="minor">
+            <a:schemeClr val="lt1"/>
+          </a:fontRef>
+        </p:style>
+        <p:txBody>
+          <a:bodyPr rtlCol="0" anchor="ctr"/>
+          <a:lstStyle/>
+          <a:p>
+            <a:pPr algn="ctr"/>
+            <a:r>
+              <a:rPr lang="en-IN" sz="1400" dirty="0"/>
+              <a:t>Docker engine 1</a:t>
+            </a:r>
+          </a:p>
+        </p:txBody>
+      </p:sp>
+      <p:sp>
+        <p:nvSpPr>
+          <p:cNvPr id="33" name="Rectangle: Rounded Corners 32">
+            <a:extLst>
+              <a:ext uri="{FF2B5EF4-FFF2-40B4-BE49-F238E27FC236}">
+                <a16:creationId xmlns:a16="http://schemas.microsoft.com/office/drawing/2014/main" id="{D3A18A7D-0EE1-E32E-AC81-C609339281CF}"/>
+              </a:ext>
+            </a:extLst>
+          </p:cNvPr>
+          <p:cNvSpPr/>
+          <p:nvPr/>
+        </p:nvSpPr>
+        <p:spPr>
+          <a:xfrm>
+            <a:off x="2947264" y="3863632"/>
+            <a:ext cx="900376" cy="511090"/>
+          </a:xfrm>
+          <a:prstGeom prst="roundRect">
+            <a:avLst/>
+          </a:prstGeom>
+          <a:solidFill>
+            <a:schemeClr val="accent6"/>
+          </a:solidFill>
+          <a:ln>
+            <a:noFill/>
+          </a:ln>
+        </p:spPr>
+        <p:style>
+          <a:lnRef idx="2">
+            <a:schemeClr val="accent1">
+              <a:shade val="50000"/>
+            </a:schemeClr>
+          </a:lnRef>
+          <a:fillRef idx="1">
+            <a:schemeClr val="accent1"/>
+          </a:fillRef>
+          <a:effectRef idx="0">
+            <a:schemeClr val="accent1"/>
+          </a:effectRef>
+          <a:fontRef idx="minor">
+            <a:schemeClr val="lt1"/>
+          </a:fontRef>
+        </p:style>
+        <p:txBody>
+          <a:bodyPr rtlCol="0" anchor="ctr"/>
+          <a:lstStyle/>
+          <a:p>
+            <a:pPr algn="ctr"/>
+            <a:r>
+              <a:rPr lang="en-IN" sz="1400" dirty="0"/>
+              <a:t>Docker engine 2</a:t>
+            </a:r>
+          </a:p>
+        </p:txBody>
+      </p:sp>
+      <p:sp>
+        <p:nvSpPr>
+          <p:cNvPr id="34" name="Rectangle: Rounded Corners 33">
+            <a:extLst>
+              <a:ext uri="{FF2B5EF4-FFF2-40B4-BE49-F238E27FC236}">
+                <a16:creationId xmlns:a16="http://schemas.microsoft.com/office/drawing/2014/main" id="{5F2229EA-9BA3-5D23-0BAF-BABF23C314F0}"/>
+              </a:ext>
+            </a:extLst>
+          </p:cNvPr>
+          <p:cNvSpPr/>
+          <p:nvPr/>
+        </p:nvSpPr>
+        <p:spPr>
+          <a:xfrm>
+            <a:off x="5538942" y="3870652"/>
+            <a:ext cx="900376" cy="511090"/>
+          </a:xfrm>
+          <a:prstGeom prst="roundRect">
+            <a:avLst/>
+          </a:prstGeom>
+          <a:solidFill>
+            <a:schemeClr val="accent6"/>
+          </a:solidFill>
+          <a:ln>
+            <a:noFill/>
+          </a:ln>
+        </p:spPr>
+        <p:style>
+          <a:lnRef idx="2">
+            <a:schemeClr val="accent1">
+              <a:shade val="50000"/>
+            </a:schemeClr>
+          </a:lnRef>
+          <a:fillRef idx="1">
+            <a:schemeClr val="accent1"/>
+          </a:fillRef>
+          <a:effectRef idx="0">
+            <a:schemeClr val="accent1"/>
+          </a:effectRef>
+          <a:fontRef idx="minor">
+            <a:schemeClr val="lt1"/>
+          </a:fontRef>
+        </p:style>
+        <p:txBody>
+          <a:bodyPr rtlCol="0" anchor="ctr"/>
+          <a:lstStyle/>
+          <a:p>
+            <a:pPr algn="ctr"/>
+            <a:r>
+              <a:rPr lang="en-IN" sz="1400" dirty="0"/>
+              <a:t>Docker engine 3</a:t>
+            </a:r>
+          </a:p>
+        </p:txBody>
+      </p:sp>
+      <p:sp>
+        <p:nvSpPr>
+          <p:cNvPr id="35" name="Rectangle: Rounded Corners 34">
+            <a:extLst>
+              <a:ext uri="{FF2B5EF4-FFF2-40B4-BE49-F238E27FC236}">
+                <a16:creationId xmlns:a16="http://schemas.microsoft.com/office/drawing/2014/main" id="{7557EB00-7FB3-F233-6919-AA00C97CB54F}"/>
+              </a:ext>
+            </a:extLst>
+          </p:cNvPr>
+          <p:cNvSpPr/>
+          <p:nvPr/>
+        </p:nvSpPr>
+        <p:spPr>
+          <a:xfrm>
+            <a:off x="8301926" y="3863632"/>
+            <a:ext cx="900376" cy="511090"/>
+          </a:xfrm>
+          <a:prstGeom prst="roundRect">
+            <a:avLst/>
+          </a:prstGeom>
+          <a:solidFill>
+            <a:schemeClr val="accent6"/>
+          </a:solidFill>
+          <a:ln>
+            <a:noFill/>
+          </a:ln>
+        </p:spPr>
+        <p:style>
+          <a:lnRef idx="2">
+            <a:schemeClr val="accent1">
+              <a:shade val="50000"/>
+            </a:schemeClr>
+          </a:lnRef>
+          <a:fillRef idx="1">
+            <a:schemeClr val="accent1"/>
+          </a:fillRef>
+          <a:effectRef idx="0">
+            <a:schemeClr val="accent1"/>
+          </a:effectRef>
+          <a:fontRef idx="minor">
+            <a:schemeClr val="lt1"/>
+          </a:fontRef>
+        </p:style>
+        <p:txBody>
+          <a:bodyPr rtlCol="0" anchor="ctr"/>
+          <a:lstStyle/>
+          <a:p>
+            <a:pPr algn="ctr"/>
+            <a:r>
+              <a:rPr lang="en-IN" sz="1400" dirty="0"/>
+              <a:t>Docker engine 4</a:t>
+            </a:r>
+          </a:p>
+        </p:txBody>
+      </p:sp>
+      <p:sp>
+        <p:nvSpPr>
+          <p:cNvPr id="36" name="Rectangle: Rounded Corners 35">
+            <a:extLst>
+              <a:ext uri="{FF2B5EF4-FFF2-40B4-BE49-F238E27FC236}">
+                <a16:creationId xmlns:a16="http://schemas.microsoft.com/office/drawing/2014/main" id="{FC07DC0C-092B-C2E5-68DA-798D7E1A910D}"/>
+              </a:ext>
+            </a:extLst>
+          </p:cNvPr>
+          <p:cNvSpPr/>
+          <p:nvPr/>
+        </p:nvSpPr>
+        <p:spPr>
+          <a:xfrm>
+            <a:off x="10749656" y="3855508"/>
+            <a:ext cx="900376" cy="511090"/>
+          </a:xfrm>
+          <a:prstGeom prst="roundRect">
+            <a:avLst/>
+          </a:prstGeom>
+          <a:solidFill>
+            <a:schemeClr val="accent6"/>
+          </a:solidFill>
+          <a:ln>
+            <a:noFill/>
+          </a:ln>
+        </p:spPr>
+        <p:style>
+          <a:lnRef idx="2">
+            <a:schemeClr val="accent1">
+              <a:shade val="50000"/>
+            </a:schemeClr>
+          </a:lnRef>
+          <a:fillRef idx="1">
+            <a:schemeClr val="accent1"/>
+          </a:fillRef>
+          <a:effectRef idx="0">
+            <a:schemeClr val="accent1"/>
+          </a:effectRef>
+          <a:fontRef idx="minor">
+            <a:schemeClr val="lt1"/>
+          </a:fontRef>
+        </p:style>
+        <p:txBody>
+          <a:bodyPr rtlCol="0" anchor="ctr"/>
+          <a:lstStyle/>
+          <a:p>
+            <a:pPr algn="ctr"/>
+            <a:r>
+              <a:rPr lang="en-IN" sz="1400" dirty="0"/>
+              <a:t>Docker engine 5</a:t>
+            </a:r>
           </a:p>
         </p:txBody>
       </p:sp>

--- a/reference.pptx
+++ b/reference.pptx
@@ -5999,14 +5999,18 @@
               <a:t>Visit the </a:t>
             </a:r>
             <a:r>
-              <a:rPr lang="en-IN" sz="2000" dirty="0">
+              <a:rPr lang="en-IN" sz="2000">
                 <a:hlinkClick r:id="rId2"/>
               </a:rPr>
               <a:t>repository</a:t>
             </a:r>
             <a:r>
+              <a:rPr lang="en-IN" sz="2000"/>
+              <a:t> for implementation </a:t>
+            </a:r>
+            <a:r>
               <a:rPr lang="en-IN" sz="2000" dirty="0"/>
-              <a:t> implementation details</a:t>
+              <a:t>details</a:t>
             </a:r>
           </a:p>
         </p:txBody>

--- a/reference.pptx
+++ b/reference.pptx
@@ -133,34 +133,6 @@
 </p:presentation>
 </file>
 
-<file path=ppt/ink/ink1.xml><?xml version="1.0" encoding="utf-8"?>
-<inkml:ink xmlns:inkml="http://www.w3.org/2003/InkML">
-  <inkml:definitions>
-    <inkml:context xml:id="ctx0">
-      <inkml:inkSource xml:id="inkSrc0">
-        <inkml:traceFormat>
-          <inkml:channel name="X" type="integer" min="-2.14748E9" max="2.14748E9" units="cm"/>
-          <inkml:channel name="Y" type="integer" min="-2.14748E9" max="2.14748E9" units="cm"/>
-        </inkml:traceFormat>
-        <inkml:channelProperties>
-          <inkml:channelProperty channel="X" name="resolution" value="1000" units="1/cm"/>
-          <inkml:channelProperty channel="Y" name="resolution" value="1000" units="1/cm"/>
-        </inkml:channelProperties>
-      </inkml:inkSource>
-      <inkml:timestamp xml:id="ts0" timeString="2022-12-16T00:30:48.171"/>
-    </inkml:context>
-    <inkml:brush xml:id="br0">
-      <inkml:brushProperty name="width" value="0.2" units="cm"/>
-      <inkml:brushProperty name="height" value="1.2" units="cm"/>
-      <inkml:brushProperty name="color" value="#849398"/>
-      <inkml:brushProperty name="ignorePressure" value="1"/>
-      <inkml:brushProperty name="inkEffects" value="pencil"/>
-    </inkml:brush>
-  </inkml:definitions>
-  <inkml:trace contextRef="#ctx0" brushRef="#br0">1 1</inkml:trace>
-</inkml:ink>
-</file>
-
 <file path=ppt/slideLayouts/slideLayout1.xml><?xml version="1.0" encoding="utf-8"?>
 <p:sldLayout xmlns:a="http://schemas.openxmlformats.org/drawingml/2006/main" xmlns:r="http://schemas.openxmlformats.org/officeDocument/2006/relationships" xmlns:p="http://schemas.openxmlformats.org/presentationml/2006/main" type="title" preserve="1">
   <p:cSld name="Title Slide">
@@ -310,7 +282,7 @@
           <a:p>
             <a:fld id="{A6A547FD-5E4B-433F-A167-DE84EA27B589}" type="datetimeFigureOut">
               <a:rPr lang="en-IN" smtClean="0"/>
-              <a:t>18-12-2022</a:t>
+              <a:t>20-12-2022</a:t>
             </a:fld>
             <a:endParaRPr lang="en-IN"/>
           </a:p>
@@ -510,7 +482,7 @@
           <a:p>
             <a:fld id="{A6A547FD-5E4B-433F-A167-DE84EA27B589}" type="datetimeFigureOut">
               <a:rPr lang="en-IN" smtClean="0"/>
-              <a:t>18-12-2022</a:t>
+              <a:t>20-12-2022</a:t>
             </a:fld>
             <a:endParaRPr lang="en-IN"/>
           </a:p>
@@ -720,7 +692,7 @@
           <a:p>
             <a:fld id="{A6A547FD-5E4B-433F-A167-DE84EA27B589}" type="datetimeFigureOut">
               <a:rPr lang="en-IN" smtClean="0"/>
-              <a:t>18-12-2022</a:t>
+              <a:t>20-12-2022</a:t>
             </a:fld>
             <a:endParaRPr lang="en-IN"/>
           </a:p>
@@ -920,7 +892,7 @@
           <a:p>
             <a:fld id="{A6A547FD-5E4B-433F-A167-DE84EA27B589}" type="datetimeFigureOut">
               <a:rPr lang="en-IN" smtClean="0"/>
-              <a:t>18-12-2022</a:t>
+              <a:t>20-12-2022</a:t>
             </a:fld>
             <a:endParaRPr lang="en-IN"/>
           </a:p>
@@ -1196,7 +1168,7 @@
           <a:p>
             <a:fld id="{A6A547FD-5E4B-433F-A167-DE84EA27B589}" type="datetimeFigureOut">
               <a:rPr lang="en-IN" smtClean="0"/>
-              <a:t>18-12-2022</a:t>
+              <a:t>20-12-2022</a:t>
             </a:fld>
             <a:endParaRPr lang="en-IN"/>
           </a:p>
@@ -1464,7 +1436,7 @@
           <a:p>
             <a:fld id="{A6A547FD-5E4B-433F-A167-DE84EA27B589}" type="datetimeFigureOut">
               <a:rPr lang="en-IN" smtClean="0"/>
-              <a:t>18-12-2022</a:t>
+              <a:t>20-12-2022</a:t>
             </a:fld>
             <a:endParaRPr lang="en-IN"/>
           </a:p>
@@ -1879,7 +1851,7 @@
           <a:p>
             <a:fld id="{A6A547FD-5E4B-433F-A167-DE84EA27B589}" type="datetimeFigureOut">
               <a:rPr lang="en-IN" smtClean="0"/>
-              <a:t>18-12-2022</a:t>
+              <a:t>20-12-2022</a:t>
             </a:fld>
             <a:endParaRPr lang="en-IN"/>
           </a:p>
@@ -2021,7 +1993,7 @@
           <a:p>
             <a:fld id="{A6A547FD-5E4B-433F-A167-DE84EA27B589}" type="datetimeFigureOut">
               <a:rPr lang="en-IN" smtClean="0"/>
-              <a:t>18-12-2022</a:t>
+              <a:t>20-12-2022</a:t>
             </a:fld>
             <a:endParaRPr lang="en-IN"/>
           </a:p>
@@ -2134,7 +2106,7 @@
           <a:p>
             <a:fld id="{A6A547FD-5E4B-433F-A167-DE84EA27B589}" type="datetimeFigureOut">
               <a:rPr lang="en-IN" smtClean="0"/>
-              <a:t>18-12-2022</a:t>
+              <a:t>20-12-2022</a:t>
             </a:fld>
             <a:endParaRPr lang="en-IN"/>
           </a:p>
@@ -2447,7 +2419,7 @@
           <a:p>
             <a:fld id="{A6A547FD-5E4B-433F-A167-DE84EA27B589}" type="datetimeFigureOut">
               <a:rPr lang="en-IN" smtClean="0"/>
-              <a:t>18-12-2022</a:t>
+              <a:t>20-12-2022</a:t>
             </a:fld>
             <a:endParaRPr lang="en-IN"/>
           </a:p>
@@ -2736,7 +2708,7 @@
           <a:p>
             <a:fld id="{A6A547FD-5E4B-433F-A167-DE84EA27B589}" type="datetimeFigureOut">
               <a:rPr lang="en-IN" smtClean="0"/>
-              <a:t>18-12-2022</a:t>
+              <a:t>20-12-2022</a:t>
             </a:fld>
             <a:endParaRPr lang="en-IN"/>
           </a:p>
@@ -2979,7 +2951,7 @@
           <a:p>
             <a:fld id="{A6A547FD-5E4B-433F-A167-DE84EA27B589}" type="datetimeFigureOut">
               <a:rPr lang="en-IN" smtClean="0"/>
-              <a:t>18-12-2022</a:t>
+              <a:t>20-12-2022</a:t>
             </a:fld>
             <a:endParaRPr lang="en-IN"/>
           </a:p>
@@ -3883,8 +3855,8 @@
         </p:nvSpPr>
         <p:spPr>
           <a:xfrm>
-            <a:off x="1231639" y="1129004"/>
-            <a:ext cx="8350899" cy="5078313"/>
+            <a:off x="702905" y="989045"/>
+            <a:ext cx="6211080" cy="5078313"/>
           </a:xfrm>
           <a:prstGeom prst="rect">
             <a:avLst/>
@@ -3903,7 +3875,20 @@
             </a:pPr>
             <a:r>
               <a:rPr lang="en-IN" dirty="0"/>
-              <a:t>Recovery from failure (Power failure, node crash)</a:t>
+              <a:t>Recovery from failure (Power failure, node crash) 	</a:t>
+            </a:r>
+          </a:p>
+          <a:p>
+            <a:endParaRPr lang="en-IN" dirty="0"/>
+          </a:p>
+          <a:p>
+            <a:pPr marL="285750" indent="-285750">
+              <a:buFont typeface="Arial" panose="020B0604020202020204" pitchFamily="34" charset="0"/>
+              <a:buChar char="•"/>
+            </a:pPr>
+            <a:r>
+              <a:rPr lang="en-IN" dirty="0"/>
+              <a:t>Concurrent request handling (Nginx)</a:t>
             </a:r>
           </a:p>
           <a:p>
@@ -3920,7 +3905,7 @@
             </a:pPr>
             <a:r>
               <a:rPr lang="en-IN" dirty="0"/>
-              <a:t>Concurrent request handling (Nginx)</a:t>
+              <a:t>One-click framework deployment on supported Linux nodes</a:t>
             </a:r>
           </a:p>
           <a:p>
@@ -3937,7 +3922,7 @@
             </a:pPr>
             <a:r>
               <a:rPr lang="en-IN" dirty="0"/>
-              <a:t>One-click framework deployment on supported Linux nodes</a:t>
+              <a:t>Easy management of worker nodes</a:t>
             </a:r>
           </a:p>
           <a:p>
@@ -3954,7 +3939,7 @@
             </a:pPr>
             <a:r>
               <a:rPr lang="en-IN" dirty="0"/>
-              <a:t>Easy management of worker nodes</a:t>
+              <a:t>Secure workflow by minimizing possible attacks (DDoS)</a:t>
             </a:r>
           </a:p>
           <a:p>
@@ -3971,7 +3956,7 @@
             </a:pPr>
             <a:r>
               <a:rPr lang="en-IN" dirty="0"/>
-              <a:t>Secure workflow by minimizing possible attacks (DDoS)</a:t>
+              <a:t> Well-tested Docker images</a:t>
             </a:r>
           </a:p>
           <a:p>
@@ -3988,14 +3973,23 @@
             </a:pPr>
             <a:r>
               <a:rPr lang="en-IN" dirty="0"/>
-              <a:t> Well-tested Docker images</a:t>
-            </a:r>
+              <a:t>Integrity of data</a:t>
+            </a:r>
+          </a:p>
+          <a:p>
+            <a:endParaRPr lang="en-IN" dirty="0"/>
           </a:p>
           <a:p>
             <a:pPr marL="285750" indent="-285750">
               <a:buFont typeface="Arial" panose="020B0604020202020204" pitchFamily="34" charset="0"/>
               <a:buChar char="•"/>
             </a:pPr>
+            <a:r>
+              <a:rPr lang="en-IN" dirty="0"/>
+              <a:t>TLS authentication </a:t>
+            </a:r>
+          </a:p>
+          <a:p>
             <a:endParaRPr lang="en-IN" dirty="0"/>
           </a:p>
           <a:p>
@@ -4005,11 +3999,8 @@
             </a:pPr>
             <a:r>
               <a:rPr lang="en-IN" dirty="0"/>
-              <a:t>Integrity of data</a:t>
-            </a:r>
-          </a:p>
-          <a:p>
-            <a:endParaRPr lang="en-IN" dirty="0"/>
+              <a:t>Fast Virtual Machine access</a:t>
+            </a:r>
           </a:p>
           <a:p>
             <a:pPr marL="285750" indent="-285750">
@@ -4018,31 +4009,46 @@
             </a:pPr>
             <a:r>
               <a:rPr lang="en-IN" dirty="0"/>
-              <a:t>TLS authentication </a:t>
+              <a:t>Docker machines listen to only</a:t>
+            </a:r>
+          </a:p>
+        </p:txBody>
+      </p:sp>
+      <p:sp>
+        <p:nvSpPr>
+          <p:cNvPr id="3" name="TextBox 2">
+            <a:extLst>
+              <a:ext uri="{FF2B5EF4-FFF2-40B4-BE49-F238E27FC236}">
+                <a16:creationId xmlns:a16="http://schemas.microsoft.com/office/drawing/2014/main" id="{86DE8C62-D4E7-82C0-4FF4-17D2D35E58ED}"/>
+              </a:ext>
+            </a:extLst>
+          </p:cNvPr>
+          <p:cNvSpPr txBox="1"/>
+          <p:nvPr/>
+        </p:nvSpPr>
+        <p:spPr>
+          <a:xfrm>
+            <a:off x="7142389" y="989045"/>
+            <a:ext cx="4968746" cy="1200329"/>
+          </a:xfrm>
+          <a:prstGeom prst="rect">
+            <a:avLst/>
+          </a:prstGeom>
+          <a:noFill/>
+        </p:spPr>
+        <p:txBody>
+          <a:bodyPr wrap="square" rtlCol="0">
+            <a:spAutoFit/>
+          </a:bodyPr>
+          <a:lstStyle/>
+          <a:p>
+            <a:r>
+              <a:rPr lang="en-IN" dirty="0"/>
+              <a:t>Provides an online assessment platform so no need to worry about fluctuating internet connection as it will be hosted on LAN</a:t>
             </a:r>
           </a:p>
           <a:p>
             <a:endParaRPr lang="en-IN" dirty="0"/>
-          </a:p>
-          <a:p>
-            <a:pPr marL="285750" indent="-285750">
-              <a:buFont typeface="Arial" panose="020B0604020202020204" pitchFamily="34" charset="0"/>
-              <a:buChar char="•"/>
-            </a:pPr>
-            <a:r>
-              <a:rPr lang="en-IN" dirty="0"/>
-              <a:t>Fast Virtual Machine access</a:t>
-            </a:r>
-          </a:p>
-          <a:p>
-            <a:pPr marL="285750" indent="-285750">
-              <a:buFont typeface="Arial" panose="020B0604020202020204" pitchFamily="34" charset="0"/>
-              <a:buChar char="•"/>
-            </a:pPr>
-            <a:r>
-              <a:rPr lang="en-IN" dirty="0"/>
-              <a:t>Docker machines listen to only</a:t>
-            </a:r>
           </a:p>
         </p:txBody>
       </p:sp>
@@ -4700,57 +4706,6 @@
           </a:p>
         </p:txBody>
       </p:sp>
-      <mc:AlternateContent xmlns:mc="http://schemas.openxmlformats.org/markup-compatibility/2006" xmlns:p14="http://schemas.microsoft.com/office/powerpoint/2010/main" xmlns:aink="http://schemas.microsoft.com/office/drawing/2016/ink">
-        <mc:Choice Requires="p14 aink">
-          <p:contentPart p14:bwMode="auto" r:id="rId2">
-            <p14:nvContentPartPr>
-              <p14:cNvPr id="82" name="Ink 81">
-                <a:extLst>
-                  <a:ext uri="{FF2B5EF4-FFF2-40B4-BE49-F238E27FC236}">
-                    <a16:creationId xmlns:a16="http://schemas.microsoft.com/office/drawing/2014/main" id="{9C4B7B30-9A1B-9571-B884-FB00D6FD6A2E}"/>
-                  </a:ext>
-                </a:extLst>
-              </p14:cNvPr>
-              <p14:cNvContentPartPr/>
-              <p14:nvPr/>
-            </p14:nvContentPartPr>
-            <p14:xfrm>
-              <a:off x="7483048" y="615710"/>
-              <a:ext cx="360" cy="360"/>
-            </p14:xfrm>
-          </p:contentPart>
-        </mc:Choice>
-        <mc:Fallback xmlns="">
-          <p:pic>
-            <p:nvPicPr>
-              <p:cNvPr id="82" name="Ink 81">
-                <a:extLst>
-                  <a:ext uri="{FF2B5EF4-FFF2-40B4-BE49-F238E27FC236}">
-                    <a16:creationId xmlns:a16="http://schemas.microsoft.com/office/drawing/2014/main" id="{9C4B7B30-9A1B-9571-B884-FB00D6FD6A2E}"/>
-                  </a:ext>
-                </a:extLst>
-              </p:cNvPr>
-              <p:cNvPicPr/>
-              <p:nvPr/>
-            </p:nvPicPr>
-            <p:blipFill>
-              <a:blip r:embed="rId3"/>
-              <a:stretch>
-                <a:fillRect/>
-              </a:stretch>
-            </p:blipFill>
-            <p:spPr>
-              <a:xfrm>
-                <a:off x="7447408" y="400070"/>
-                <a:ext cx="72000" cy="432000"/>
-              </a:xfrm>
-              <a:prstGeom prst="rect">
-                <a:avLst/>
-              </a:prstGeom>
-            </p:spPr>
-          </p:pic>
-        </mc:Fallback>
-      </mc:AlternateContent>
       <p:sp>
         <p:nvSpPr>
           <p:cNvPr id="6" name="Rectangle: Rounded Corners 5">
@@ -5027,7 +4982,7 @@
             <a:pPr algn="ctr"/>
             <a:r>
               <a:rPr lang="en-IN" sz="1600" dirty="0"/>
-              <a:t>Mongo DB</a:t>
+              <a:t>Sharded Mongo DB</a:t>
             </a:r>
           </a:p>
         </p:txBody>
@@ -5082,7 +5037,7 @@
             <a:pPr algn="ctr"/>
             <a:r>
               <a:rPr lang="en-IN" sz="1400" dirty="0"/>
-              <a:t>KVM</a:t>
+              <a:t>KVM API</a:t>
             </a:r>
           </a:p>
         </p:txBody>

--- a/reference.pptx
+++ b/reference.pptx
@@ -282,7 +282,7 @@
           <a:p>
             <a:fld id="{A6A547FD-5E4B-433F-A167-DE84EA27B589}" type="datetimeFigureOut">
               <a:rPr lang="en-IN" smtClean="0"/>
-              <a:t>20-12-2022</a:t>
+              <a:t>27-12-2022</a:t>
             </a:fld>
             <a:endParaRPr lang="en-IN"/>
           </a:p>
@@ -482,7 +482,7 @@
           <a:p>
             <a:fld id="{A6A547FD-5E4B-433F-A167-DE84EA27B589}" type="datetimeFigureOut">
               <a:rPr lang="en-IN" smtClean="0"/>
-              <a:t>20-12-2022</a:t>
+              <a:t>27-12-2022</a:t>
             </a:fld>
             <a:endParaRPr lang="en-IN"/>
           </a:p>
@@ -692,7 +692,7 @@
           <a:p>
             <a:fld id="{A6A547FD-5E4B-433F-A167-DE84EA27B589}" type="datetimeFigureOut">
               <a:rPr lang="en-IN" smtClean="0"/>
-              <a:t>20-12-2022</a:t>
+              <a:t>27-12-2022</a:t>
             </a:fld>
             <a:endParaRPr lang="en-IN"/>
           </a:p>
@@ -892,7 +892,7 @@
           <a:p>
             <a:fld id="{A6A547FD-5E4B-433F-A167-DE84EA27B589}" type="datetimeFigureOut">
               <a:rPr lang="en-IN" smtClean="0"/>
-              <a:t>20-12-2022</a:t>
+              <a:t>27-12-2022</a:t>
             </a:fld>
             <a:endParaRPr lang="en-IN"/>
           </a:p>
@@ -1168,7 +1168,7 @@
           <a:p>
             <a:fld id="{A6A547FD-5E4B-433F-A167-DE84EA27B589}" type="datetimeFigureOut">
               <a:rPr lang="en-IN" smtClean="0"/>
-              <a:t>20-12-2022</a:t>
+              <a:t>27-12-2022</a:t>
             </a:fld>
             <a:endParaRPr lang="en-IN"/>
           </a:p>
@@ -1436,7 +1436,7 @@
           <a:p>
             <a:fld id="{A6A547FD-5E4B-433F-A167-DE84EA27B589}" type="datetimeFigureOut">
               <a:rPr lang="en-IN" smtClean="0"/>
-              <a:t>20-12-2022</a:t>
+              <a:t>27-12-2022</a:t>
             </a:fld>
             <a:endParaRPr lang="en-IN"/>
           </a:p>
@@ -1851,7 +1851,7 @@
           <a:p>
             <a:fld id="{A6A547FD-5E4B-433F-A167-DE84EA27B589}" type="datetimeFigureOut">
               <a:rPr lang="en-IN" smtClean="0"/>
-              <a:t>20-12-2022</a:t>
+              <a:t>27-12-2022</a:t>
             </a:fld>
             <a:endParaRPr lang="en-IN"/>
           </a:p>
@@ -1993,7 +1993,7 @@
           <a:p>
             <a:fld id="{A6A547FD-5E4B-433F-A167-DE84EA27B589}" type="datetimeFigureOut">
               <a:rPr lang="en-IN" smtClean="0"/>
-              <a:t>20-12-2022</a:t>
+              <a:t>27-12-2022</a:t>
             </a:fld>
             <a:endParaRPr lang="en-IN"/>
           </a:p>
@@ -2106,7 +2106,7 @@
           <a:p>
             <a:fld id="{A6A547FD-5E4B-433F-A167-DE84EA27B589}" type="datetimeFigureOut">
               <a:rPr lang="en-IN" smtClean="0"/>
-              <a:t>20-12-2022</a:t>
+              <a:t>27-12-2022</a:t>
             </a:fld>
             <a:endParaRPr lang="en-IN"/>
           </a:p>
@@ -2419,7 +2419,7 @@
           <a:p>
             <a:fld id="{A6A547FD-5E4B-433F-A167-DE84EA27B589}" type="datetimeFigureOut">
               <a:rPr lang="en-IN" smtClean="0"/>
-              <a:t>20-12-2022</a:t>
+              <a:t>27-12-2022</a:t>
             </a:fld>
             <a:endParaRPr lang="en-IN"/>
           </a:p>
@@ -2708,7 +2708,7 @@
           <a:p>
             <a:fld id="{A6A547FD-5E4B-433F-A167-DE84EA27B589}" type="datetimeFigureOut">
               <a:rPr lang="en-IN" smtClean="0"/>
-              <a:t>20-12-2022</a:t>
+              <a:t>27-12-2022</a:t>
             </a:fld>
             <a:endParaRPr lang="en-IN"/>
           </a:p>
@@ -2951,7 +2951,7 @@
           <a:p>
             <a:fld id="{A6A547FD-5E4B-433F-A167-DE84EA27B589}" type="datetimeFigureOut">
               <a:rPr lang="en-IN" smtClean="0"/>
-              <a:t>20-12-2022</a:t>
+              <a:t>27-12-2022</a:t>
             </a:fld>
             <a:endParaRPr lang="en-IN"/>
           </a:p>
@@ -3856,7 +3856,7 @@
         <p:spPr>
           <a:xfrm>
             <a:off x="702905" y="989045"/>
-            <a:ext cx="6211080" cy="5078313"/>
+            <a:ext cx="6211080" cy="5355312"/>
           </a:xfrm>
           <a:prstGeom prst="rect">
             <a:avLst/>
@@ -3888,7 +3888,7 @@
             </a:pPr>
             <a:r>
               <a:rPr lang="en-IN" dirty="0"/>
-              <a:t>Concurrent request handling (Nginx)</a:t>
+              <a:t>Concurrent request handling (Nginx, Go concurrency)</a:t>
             </a:r>
           </a:p>
           <a:p>
@@ -4007,6 +4007,13 @@
               <a:buFont typeface="Arial" panose="020B0604020202020204" pitchFamily="34" charset="0"/>
               <a:buChar char="•"/>
             </a:pPr>
+            <a:endParaRPr lang="en-IN" dirty="0"/>
+          </a:p>
+          <a:p>
+            <a:pPr marL="285750" indent="-285750">
+              <a:buFont typeface="Arial" panose="020B0604020202020204" pitchFamily="34" charset="0"/>
+              <a:buChar char="•"/>
+            </a:pPr>
             <a:r>
               <a:rPr lang="en-IN" dirty="0"/>
               <a:t>Docker machines listen to only</a:t>
@@ -4029,7 +4036,7 @@
         <p:spPr>
           <a:xfrm>
             <a:off x="7142389" y="989045"/>
-            <a:ext cx="4968746" cy="1200329"/>
+            <a:ext cx="4968746" cy="3416320"/>
           </a:xfrm>
           <a:prstGeom prst="rect">
             <a:avLst/>
@@ -4049,6 +4056,47 @@
           </a:p>
           <a:p>
             <a:endParaRPr lang="en-IN" dirty="0"/>
+          </a:p>
+          <a:p>
+            <a:r>
+              <a:rPr lang="en-IN" dirty="0"/>
+              <a:t>Secure Connection </a:t>
+            </a:r>
+          </a:p>
+          <a:p>
+            <a:endParaRPr lang="en-IN" dirty="0"/>
+          </a:p>
+          <a:p>
+            <a:r>
+              <a:rPr lang="en-IN" dirty="0"/>
+              <a:t>CSRF Prevention</a:t>
+            </a:r>
+          </a:p>
+          <a:p>
+            <a:endParaRPr lang="en-IN" dirty="0"/>
+          </a:p>
+          <a:p>
+            <a:r>
+              <a:rPr lang="en-IN" dirty="0"/>
+              <a:t>Fast successive request handling through JWT</a:t>
+            </a:r>
+          </a:p>
+          <a:p>
+            <a:endParaRPr lang="en-IN" dirty="0"/>
+          </a:p>
+          <a:p>
+            <a:r>
+              <a:rPr lang="en-IN" dirty="0"/>
+              <a:t>CAPTCHA verification so </a:t>
+            </a:r>
+            <a:r>
+              <a:rPr lang="en-IN" b="1" dirty="0"/>
+              <a:t>NO</a:t>
+            </a:r>
+            <a:r>
+              <a:rPr lang="en-IN" dirty="0"/>
+              <a:t> automated registration and login sessions</a:t>
+            </a:r>
           </a:p>
         </p:txBody>
       </p:sp>
@@ -4872,7 +4920,7 @@
             <a:pPr algn="ctr"/>
             <a:r>
               <a:rPr lang="en-IN" dirty="0"/>
-              <a:t>Django Server</a:t>
+              <a:t>Go Server</a:t>
             </a:r>
           </a:p>
         </p:txBody>
@@ -4927,7 +4975,7 @@
             <a:pPr algn="ctr"/>
             <a:r>
               <a:rPr lang="en-IN" sz="1600" dirty="0"/>
-              <a:t>All Docker engines listening on TCP Sockets</a:t>
+              <a:t>All Docker engines listening on TCP Sockets ( with IP whitelisting ) with per-engine TLS encryption</a:t>
             </a:r>
           </a:p>
         </p:txBody>
@@ -5098,7 +5146,7 @@
             <a:pPr algn="ctr"/>
             <a:r>
               <a:rPr lang="en-IN" dirty="0"/>
-              <a:t>Django Server</a:t>
+              <a:t>Go Server</a:t>
             </a:r>
           </a:p>
         </p:txBody>
@@ -5258,7 +5306,7 @@
         </p:nvCxnSpPr>
         <p:spPr>
           <a:xfrm>
-            <a:off x="3989619" y="1904826"/>
+            <a:off x="4054936" y="1904826"/>
             <a:ext cx="1319499" cy="0"/>
           </a:xfrm>
           <a:prstGeom prst="straightConnector1">
@@ -5298,7 +5346,7 @@
         </p:nvSpPr>
         <p:spPr>
           <a:xfrm>
-            <a:off x="4153627" y="1549664"/>
+            <a:off x="4172289" y="1549664"/>
             <a:ext cx="1511558" cy="307777"/>
           </a:xfrm>
           <a:prstGeom prst="rect">
@@ -5954,18 +6002,14 @@
               <a:t>Visit the </a:t>
             </a:r>
             <a:r>
-              <a:rPr lang="en-IN" sz="2000">
+              <a:rPr lang="en-IN" sz="2000" dirty="0">
                 <a:hlinkClick r:id="rId2"/>
               </a:rPr>
               <a:t>repository</a:t>
             </a:r>
             <a:r>
-              <a:rPr lang="en-IN" sz="2000"/>
-              <a:t> for implementation </a:t>
-            </a:r>
-            <a:r>
               <a:rPr lang="en-IN" sz="2000" dirty="0"/>
-              <a:t>details</a:t>
+              <a:t> for implementation details</a:t>
             </a:r>
           </a:p>
         </p:txBody>
